--- a/04_Presentation.pptx
+++ b/04_Presentation.pptx
@@ -120,6 +120,11 @@
       </a:defRPr>
     </a:lvl9pPr>
   </p:defaultTextStyle>
+  <p:extLst>
+    <p:ext uri="{EFAFB233-063F-42B5-8137-9DF3F51BA10A}">
+      <p15:sldGuideLst xmlns:p15="http://schemas.microsoft.com/office/powerpoint/2012/main"/>
+    </p:ext>
+  </p:extLst>
 </p:presentation>
 </file>
 
@@ -3374,7 +3379,7 @@
           <a:p>
             <a:r>
               <a:rPr lang="en-US" dirty="0"/>
-              <a:t>Top 10 categories people who visit coffee shops visit on the same day</a:t>
+              <a:t>Top 7 categories people who visit coffee shops visit on the same day</a:t>
             </a:r>
           </a:p>
         </p:txBody>
@@ -4586,7 +4591,7 @@
           <a:p>
             <a:r>
               <a:rPr lang="en-US" dirty="0"/>
-              <a:t>Hypothesis 1:  People who visit coffee shops also visit parks, sandwich shops, and gyms, and they use public transportation (my interpretation of “Subway”)</a:t>
+              <a:t>Hypothesis 1:  People who visit coffee shops also visit parks and gyms, and they use public transportation. They do not like sandwich shops.</a:t>
             </a:r>
           </a:p>
           <a:p>
@@ -4599,10 +4604,10 @@
       </p:sp>
       <p:pic>
         <p:nvPicPr>
-          <p:cNvPr id="4" name="Picture 3">
+          <p:cNvPr id="5" name="Picture 4">
             <a:extLst>
               <a:ext uri="{FF2B5EF4-FFF2-40B4-BE49-F238E27FC236}">
-                <a16:creationId xmlns:a16="http://schemas.microsoft.com/office/drawing/2014/main" id="{053DF002-1F5C-4BEB-97A6-974D79643FFF}"/>
+                <a16:creationId xmlns:a16="http://schemas.microsoft.com/office/drawing/2014/main" id="{88613F6C-CA9C-4FBF-BE7E-AC766B726A44}"/>
               </a:ext>
             </a:extLst>
           </p:cNvPr>
@@ -4619,8 +4624,8 @@
         </p:blipFill>
         <p:spPr>
           <a:xfrm>
-            <a:off x="3500437" y="3700030"/>
-            <a:ext cx="5191125" cy="2838450"/>
+            <a:off x="3757612" y="3690937"/>
+            <a:ext cx="4676775" cy="2876550"/>
           </a:xfrm>
           <a:prstGeom prst="rect">
             <a:avLst/>

--- a/04_Presentation.pptx
+++ b/04_Presentation.pptx
@@ -4170,14 +4170,14 @@
             <p:ph idx="1"/>
             <p:extLst>
               <p:ext uri="{D42A27DB-BD31-4B8C-83A1-F6EECF244321}">
-                <p14:modId xmlns:p14="http://schemas.microsoft.com/office/powerpoint/2010/main" val="2112190392"/>
+                <p14:modId xmlns:p14="http://schemas.microsoft.com/office/powerpoint/2010/main" val="2837883563"/>
               </p:ext>
             </p:extLst>
           </p:nvPr>
         </p:nvGraphicFramePr>
         <p:xfrm>
           <a:off x="2229738" y="2560367"/>
-          <a:ext cx="7731126" cy="1112520"/>
+          <a:ext cx="7731126" cy="1651000"/>
         </p:xfrm>
         <a:graphic>
           <a:graphicData uri="http://schemas.openxmlformats.org/drawingml/2006/table">
@@ -4283,6 +4283,128 @@
                     <a:bodyPr/>
                     <a:lstStyle/>
                     <a:p>
+                      <a:pPr marL="0" marR="0" lvl="0" indent="0" algn="l" defTabSz="914400" rtl="0" eaLnBrk="1" fontAlgn="auto" latinLnBrk="0" hangingPunct="1">
+                        <a:lnSpc>
+                          <a:spcPct val="100000"/>
+                        </a:lnSpc>
+                        <a:spcBef>
+                          <a:spcPts val="0"/>
+                        </a:spcBef>
+                        <a:spcAft>
+                          <a:spcPts val="0"/>
+                        </a:spcAft>
+                        <a:buClrTx/>
+                        <a:buSzTx/>
+                        <a:buFontTx/>
+                        <a:buNone/>
+                        <a:tabLst/>
+                        <a:defRPr/>
+                      </a:pPr>
+                      <a:r>
+                        <a:rPr lang="en-US" sz="1800" b="0" i="0" kern="1200" dirty="0">
+                          <a:solidFill>
+                            <a:schemeClr val="dk1"/>
+                          </a:solidFill>
+                          <a:effectLst/>
+                          <a:latin typeface="+mn-lt"/>
+                          <a:ea typeface="+mn-ea"/>
+                          <a:cs typeface="+mn-cs"/>
+                        </a:rPr>
+                        <a:t>Baseline ≈ 88%</a:t>
+                      </a:r>
+                      <a:endParaRPr lang="en-US" dirty="0"/>
+                    </a:p>
+                    <a:p>
+                      <a:pPr marL="0" marR="0" lvl="0" indent="0" algn="l" defTabSz="914400" rtl="0" eaLnBrk="1" fontAlgn="auto" latinLnBrk="0" hangingPunct="1">
+                        <a:lnSpc>
+                          <a:spcPct val="100000"/>
+                        </a:lnSpc>
+                        <a:spcBef>
+                          <a:spcPts val="0"/>
+                        </a:spcBef>
+                        <a:spcAft>
+                          <a:spcPts val="0"/>
+                        </a:spcAft>
+                        <a:buClrTx/>
+                        <a:buSzTx/>
+                        <a:buFontTx/>
+                        <a:buNone/>
+                        <a:tabLst/>
+                        <a:defRPr/>
+                      </a:pPr>
+                      <a:r>
+                        <a:rPr lang="en-US" sz="1800" b="0" i="0" kern="1200" dirty="0">
+                          <a:solidFill>
+                            <a:schemeClr val="dk1"/>
+                          </a:solidFill>
+                          <a:effectLst/>
+                          <a:latin typeface="+mn-lt"/>
+                          <a:ea typeface="+mn-ea"/>
+                          <a:cs typeface="+mn-cs"/>
+                        </a:rPr>
+                        <a:t>Modelled ≈ 88%</a:t>
+                      </a:r>
+                      <a:endParaRPr lang="en-US" dirty="0"/>
+                    </a:p>
+                  </a:txBody>
+                  <a:tcPr/>
+                </a:tc>
+                <a:extLst>
+                  <a:ext uri="{0D108BD9-81ED-4DB2-BD59-A6C34878D82A}">
+                    <a16:rowId xmlns:a16="http://schemas.microsoft.com/office/drawing/2014/main" val="214245662"/>
+                  </a:ext>
+                </a:extLst>
+              </a:tr>
+              <a:tr h="370840">
+                <a:tc vMerge="1">
+                  <a:txBody>
+                    <a:bodyPr/>
+                    <a:lstStyle/>
+                    <a:p>
+                      <a:endParaRPr lang="en-US" dirty="0"/>
+                    </a:p>
+                  </a:txBody>
+                  <a:tcPr/>
+                </a:tc>
+                <a:tc>
+                  <a:txBody>
+                    <a:bodyPr/>
+                    <a:lstStyle/>
+                    <a:p>
+                      <a:r>
+                        <a:rPr lang="en-US" dirty="0"/>
+                        <a:t>Random Forest</a:t>
+                      </a:r>
+                    </a:p>
+                  </a:txBody>
+                  <a:tcPr/>
+                </a:tc>
+                <a:tc>
+                  <a:txBody>
+                    <a:bodyPr/>
+                    <a:lstStyle/>
+                    <a:p>
+                      <a:pPr marL="0" marR="0" lvl="0" indent="0" algn="l" defTabSz="914400" rtl="0" eaLnBrk="1" fontAlgn="auto" latinLnBrk="0" hangingPunct="1">
+                        <a:lnSpc>
+                          <a:spcPct val="100000"/>
+                        </a:lnSpc>
+                        <a:spcBef>
+                          <a:spcPts val="0"/>
+                        </a:spcBef>
+                        <a:spcAft>
+                          <a:spcPts val="0"/>
+                        </a:spcAft>
+                        <a:buClrTx/>
+                        <a:buSzTx/>
+                        <a:buFontTx/>
+                        <a:buNone/>
+                        <a:tabLst/>
+                        <a:defRPr/>
+                      </a:pPr>
+                      <a:r>
+                        <a:rPr lang="en-US" dirty="0"/>
+                        <a:t>Baseline </a:t>
+                      </a:r>
                       <a:r>
                         <a:rPr lang="en-US" sz="1800" b="0" i="0" kern="1200" dirty="0">
                           <a:solidFill>
@@ -4297,47 +4419,10 @@
                       </a:r>
                       <a:endParaRPr lang="en-US" dirty="0"/>
                     </a:p>
-                  </a:txBody>
-                  <a:tcPr/>
-                </a:tc>
-                <a:extLst>
-                  <a:ext uri="{0D108BD9-81ED-4DB2-BD59-A6C34878D82A}">
-                    <a16:rowId xmlns:a16="http://schemas.microsoft.com/office/drawing/2014/main" val="214245662"/>
-                  </a:ext>
-                </a:extLst>
-              </a:tr>
-              <a:tr h="370840">
-                <a:tc vMerge="1">
-                  <a:txBody>
-                    <a:bodyPr/>
-                    <a:lstStyle/>
-                    <a:p>
-                      <a:endParaRPr lang="en-US" dirty="0"/>
-                    </a:p>
-                  </a:txBody>
-                  <a:tcPr/>
-                </a:tc>
-                <a:tc>
-                  <a:txBody>
-                    <a:bodyPr/>
-                    <a:lstStyle/>
-                    <a:p>
-                      <a:r>
-                        <a:rPr lang="en-US" dirty="0"/>
-                        <a:t>Random Forest</a:t>
-                      </a:r>
-                    </a:p>
-                  </a:txBody>
-                  <a:tcPr/>
-                </a:tc>
-                <a:tc>
-                  <a:txBody>
-                    <a:bodyPr/>
-                    <a:lstStyle/>
-                    <a:p>
-                      <a:r>
-                        <a:rPr lang="en-US" dirty="0"/>
-                        <a:t>≈ 89%</a:t>
+                    <a:p>
+                      <a:r>
+                        <a:rPr lang="en-US" dirty="0"/>
+                        <a:t>Modelled ≈ 89%</a:t>
                       </a:r>
                     </a:p>
                   </a:txBody>
@@ -4368,13 +4453,13 @@
           <p:nvPr>
             <p:extLst>
               <p:ext uri="{D42A27DB-BD31-4B8C-83A1-F6EECF244321}">
-                <p14:modId xmlns:p14="http://schemas.microsoft.com/office/powerpoint/2010/main" val="4256998987"/>
+                <p14:modId xmlns:p14="http://schemas.microsoft.com/office/powerpoint/2010/main" val="3926363443"/>
               </p:ext>
             </p:extLst>
           </p:nvPr>
         </p:nvGraphicFramePr>
         <p:xfrm>
-          <a:off x="2229738" y="3830857"/>
+          <a:off x="2231136" y="4385803"/>
           <a:ext cx="7729728" cy="1010920"/>
         </p:xfrm>
         <a:graphic>

--- a/04_Presentation.pptx
+++ b/04_Presentation.pptx
@@ -4170,14 +4170,14 @@
             <p:ph idx="1"/>
             <p:extLst>
               <p:ext uri="{D42A27DB-BD31-4B8C-83A1-F6EECF244321}">
-                <p14:modId xmlns:p14="http://schemas.microsoft.com/office/powerpoint/2010/main" val="2837883563"/>
+                <p14:modId xmlns:p14="http://schemas.microsoft.com/office/powerpoint/2010/main" val="222386093"/>
               </p:ext>
             </p:extLst>
           </p:nvPr>
         </p:nvGraphicFramePr>
         <p:xfrm>
           <a:off x="2229738" y="2560367"/>
-          <a:ext cx="7731126" cy="1651000"/>
+          <a:ext cx="7731126" cy="2291080"/>
         </p:xfrm>
         <a:graphic>
           <a:graphicData uri="http://schemas.openxmlformats.org/drawingml/2006/table">
@@ -4209,7 +4209,7 @@
                 </a:gridCol>
               </a:tblGrid>
               <a:tr h="370840">
-                <a:tc rowSpan="3">
+                <a:tc rowSpan="4">
                   <a:txBody>
                     <a:bodyPr/>
                     <a:lstStyle/>
@@ -4431,6 +4431,115 @@
                 <a:extLst>
                   <a:ext uri="{0D108BD9-81ED-4DB2-BD59-A6C34878D82A}">
                     <a16:rowId xmlns:a16="http://schemas.microsoft.com/office/drawing/2014/main" val="3788067406"/>
+                  </a:ext>
+                </a:extLst>
+              </a:tr>
+              <a:tr h="370840">
+                <a:tc vMerge="1">
+                  <a:txBody>
+                    <a:bodyPr/>
+                    <a:lstStyle/>
+                    <a:p>
+                      <a:endParaRPr lang="en-US" dirty="0"/>
+                    </a:p>
+                  </a:txBody>
+                  <a:tcPr/>
+                </a:tc>
+                <a:tc>
+                  <a:txBody>
+                    <a:bodyPr/>
+                    <a:lstStyle/>
+                    <a:p>
+                      <a:r>
+                        <a:rPr lang="en-US" dirty="0"/>
+                        <a:t>Gradient Boosting</a:t>
+                      </a:r>
+                    </a:p>
+                  </a:txBody>
+                  <a:tcPr/>
+                </a:tc>
+                <a:tc>
+                  <a:txBody>
+                    <a:bodyPr/>
+                    <a:lstStyle/>
+                    <a:p>
+                      <a:pPr marL="0" marR="0" lvl="0" indent="0" algn="l" defTabSz="914400" rtl="0" eaLnBrk="1" fontAlgn="auto" latinLnBrk="0" hangingPunct="1">
+                        <a:lnSpc>
+                          <a:spcPct val="100000"/>
+                        </a:lnSpc>
+                        <a:spcBef>
+                          <a:spcPts val="0"/>
+                        </a:spcBef>
+                        <a:spcAft>
+                          <a:spcPts val="0"/>
+                        </a:spcAft>
+                        <a:buClrTx/>
+                        <a:buSzTx/>
+                        <a:buFontTx/>
+                        <a:buNone/>
+                        <a:tabLst/>
+                        <a:defRPr/>
+                      </a:pPr>
+                      <a:r>
+                        <a:rPr lang="en-US" dirty="0"/>
+                        <a:t>Baseline </a:t>
+                      </a:r>
+                      <a:r>
+                        <a:rPr lang="en-US" sz="1800" b="0" i="0" kern="1200" dirty="0">
+                          <a:solidFill>
+                            <a:schemeClr val="dk1"/>
+                          </a:solidFill>
+                          <a:effectLst/>
+                          <a:latin typeface="+mn-lt"/>
+                          <a:ea typeface="+mn-ea"/>
+                          <a:cs typeface="+mn-cs"/>
+                        </a:rPr>
+                        <a:t>≈ 88%</a:t>
+                      </a:r>
+                      <a:endParaRPr lang="en-US" dirty="0"/>
+                    </a:p>
+                    <a:p>
+                      <a:pPr marL="0" marR="0" lvl="0" indent="0" algn="l" defTabSz="914400" rtl="0" eaLnBrk="1" fontAlgn="auto" latinLnBrk="0" hangingPunct="1">
+                        <a:lnSpc>
+                          <a:spcPct val="100000"/>
+                        </a:lnSpc>
+                        <a:spcBef>
+                          <a:spcPts val="0"/>
+                        </a:spcBef>
+                        <a:spcAft>
+                          <a:spcPts val="0"/>
+                        </a:spcAft>
+                        <a:buClrTx/>
+                        <a:buSzTx/>
+                        <a:buFontTx/>
+                        <a:buNone/>
+                        <a:tabLst/>
+                        <a:defRPr/>
+                      </a:pPr>
+                      <a:r>
+                        <a:rPr lang="en-US" dirty="0"/>
+                        <a:t>Modelled </a:t>
+                      </a:r>
+                      <a:r>
+                        <a:rPr lang="en-US" sz="1800" b="0" i="0" kern="1200" dirty="0">
+                          <a:solidFill>
+                            <a:schemeClr val="dk1"/>
+                          </a:solidFill>
+                          <a:effectLst/>
+                          <a:latin typeface="+mn-lt"/>
+                          <a:ea typeface="+mn-ea"/>
+                          <a:cs typeface="+mn-cs"/>
+                        </a:rPr>
+                        <a:t>≈ 89%</a:t>
+                      </a:r>
+                      <a:endParaRPr lang="en-US" dirty="0"/>
+                    </a:p>
+                  </a:txBody>
+                  <a:tcPr/>
+                </a:tc>
+                <a:extLst>
+                  <a:ext uri="{0D108BD9-81ED-4DB2-BD59-A6C34878D82A}">
+                    <a16:rowId xmlns:a16="http://schemas.microsoft.com/office/drawing/2014/main" val="3166583470"/>
                   </a:ext>
                 </a:extLst>
               </a:tr>
@@ -4453,13 +4562,13 @@
           <p:nvPr>
             <p:extLst>
               <p:ext uri="{D42A27DB-BD31-4B8C-83A1-F6EECF244321}">
-                <p14:modId xmlns:p14="http://schemas.microsoft.com/office/powerpoint/2010/main" val="3926363443"/>
+                <p14:modId xmlns:p14="http://schemas.microsoft.com/office/powerpoint/2010/main" val="1787520053"/>
               </p:ext>
             </p:extLst>
           </p:nvPr>
         </p:nvGraphicFramePr>
         <p:xfrm>
-          <a:off x="2231136" y="4385803"/>
+          <a:off x="2231136" y="5117323"/>
           <a:ext cx="7729728" cy="1010920"/>
         </p:xfrm>
         <a:graphic>

--- a/04_Presentation.pptx
+++ b/04_Presentation.pptx
@@ -9,19 +9,18 @@
     <p:sldId id="257" r:id="rId3"/>
     <p:sldId id="258" r:id="rId4"/>
     <p:sldId id="259" r:id="rId5"/>
-    <p:sldId id="260" r:id="rId6"/>
-    <p:sldId id="261" r:id="rId7"/>
-    <p:sldId id="263" r:id="rId8"/>
-    <p:sldId id="262" r:id="rId9"/>
-    <p:sldId id="264" r:id="rId10"/>
-    <p:sldId id="273" r:id="rId11"/>
-    <p:sldId id="274" r:id="rId12"/>
-    <p:sldId id="267" r:id="rId13"/>
-    <p:sldId id="268" r:id="rId14"/>
-    <p:sldId id="269" r:id="rId15"/>
-    <p:sldId id="270" r:id="rId16"/>
-    <p:sldId id="271" r:id="rId17"/>
-    <p:sldId id="272" r:id="rId18"/>
+    <p:sldId id="261" r:id="rId6"/>
+    <p:sldId id="263" r:id="rId7"/>
+    <p:sldId id="262" r:id="rId8"/>
+    <p:sldId id="264" r:id="rId9"/>
+    <p:sldId id="273" r:id="rId10"/>
+    <p:sldId id="274" r:id="rId11"/>
+    <p:sldId id="267" r:id="rId12"/>
+    <p:sldId id="268" r:id="rId13"/>
+    <p:sldId id="269" r:id="rId14"/>
+    <p:sldId id="270" r:id="rId15"/>
+    <p:sldId id="271" r:id="rId16"/>
+    <p:sldId id="272" r:id="rId17"/>
   </p:sldIdLst>
   <p:sldSz cx="12192000" cy="6858000"/>
   <p:notesSz cx="6858000" cy="9144000"/>
@@ -283,7 +282,7 @@
           <a:p>
             <a:fld id="{CA430C0A-5464-4FE4-84EB-FF9C94016DF4}" type="datetimeFigureOut">
               <a:rPr lang="en-US" dirty="0"/>
-              <a:t>6/19/2018</a:t>
+              <a:t>6/20/2018</a:t>
             </a:fld>
             <a:endParaRPr lang="en-US" dirty="0"/>
           </a:p>
@@ -449,7 +448,7 @@
           <a:p>
             <a:fld id="{E9F9C37B-1D36-470B-8223-D6C91242EC14}" type="datetimeFigureOut">
               <a:rPr lang="en-US" dirty="0"/>
-              <a:t>6/19/2018</a:t>
+              <a:t>6/20/2018</a:t>
             </a:fld>
             <a:endParaRPr lang="en-US" dirty="0"/>
           </a:p>
@@ -624,7 +623,7 @@
           <a:p>
             <a:fld id="{67C6F52A-A82B-47A2-A83A-8C4C91F2D59F}" type="datetimeFigureOut">
               <a:rPr lang="en-US" dirty="0"/>
-              <a:t>6/19/2018</a:t>
+              <a:t>6/20/2018</a:t>
             </a:fld>
             <a:endParaRPr lang="en-US" dirty="0"/>
           </a:p>
@@ -789,7 +788,7 @@
           <a:p>
             <a:fld id="{F070A7B3-6521-4DCA-87E5-044747A908C1}" type="datetimeFigureOut">
               <a:rPr lang="en-US" dirty="0"/>
-              <a:t>6/19/2018</a:t>
+              <a:t>6/20/2018</a:t>
             </a:fld>
             <a:endParaRPr lang="en-US" dirty="0"/>
           </a:p>
@@ -1045,7 +1044,7 @@
           <a:p>
             <a:fld id="{360C6404-AD6E-4860-8E75-697CA40B95DA}" type="datetimeFigureOut">
               <a:rPr lang="en-US" dirty="0"/>
-              <a:t>6/19/2018</a:t>
+              <a:t>6/20/2018</a:t>
             </a:fld>
             <a:endParaRPr lang="en-US" dirty="0"/>
           </a:p>
@@ -1273,7 +1272,7 @@
           <a:p>
             <a:fld id="{AB134690-1557-4C89-A502-4959FE7FAD70}" type="datetimeFigureOut">
               <a:rPr lang="en-US" dirty="0"/>
-              <a:t>6/19/2018</a:t>
+              <a:t>6/20/2018</a:t>
             </a:fld>
             <a:endParaRPr lang="en-US" dirty="0"/>
           </a:p>
@@ -1623,7 +1622,7 @@
           <a:p>
             <a:fld id="{4F7D4976-E339-4826-83B7-FBD03F55ECF8}" type="datetimeFigureOut">
               <a:rPr lang="en-US" dirty="0"/>
-              <a:t>6/19/2018</a:t>
+              <a:t>6/20/2018</a:t>
             </a:fld>
             <a:endParaRPr lang="en-US" dirty="0"/>
           </a:p>
@@ -1759,7 +1758,7 @@
           <a:p>
             <a:fld id="{E1037C31-9E7A-4F99-8774-A0E530DE1A42}" type="datetimeFigureOut">
               <a:rPr lang="en-US" dirty="0"/>
-              <a:t>6/19/2018</a:t>
+              <a:t>6/20/2018</a:t>
             </a:fld>
             <a:endParaRPr lang="en-US" dirty="0"/>
           </a:p>
@@ -1849,7 +1848,7 @@
           <a:p>
             <a:fld id="{C278504F-A551-4DE0-9316-4DCD1D8CC752}" type="datetimeFigureOut">
               <a:rPr lang="en-US" dirty="0"/>
-              <a:t>6/19/2018</a:t>
+              <a:t>6/20/2018</a:t>
             </a:fld>
             <a:endParaRPr lang="en-US" dirty="0"/>
           </a:p>
@@ -2201,7 +2200,7 @@
           <a:p>
             <a:fld id="{D1BE4249-C0D0-4B06-8692-E8BB871AF643}" type="datetimeFigureOut">
               <a:rPr lang="en-US" dirty="0"/>
-              <a:t>6/19/2018</a:t>
+              <a:t>6/20/2018</a:t>
             </a:fld>
             <a:endParaRPr lang="en-US" dirty="0"/>
           </a:p>
@@ -2514,7 +2513,7 @@
           <a:p>
             <a:fld id="{042B0DB6-F5C7-45FB-8CF3-31B45F9C2DAC}" type="datetimeFigureOut">
               <a:rPr lang="en-US" dirty="0"/>
-              <a:t>6/19/2018</a:t>
+              <a:t>6/20/2018</a:t>
             </a:fld>
             <a:endParaRPr lang="en-US" dirty="0"/>
           </a:p>
@@ -2753,7 +2752,7 @@
           <a:p>
             <a:fld id="{1160EA64-D806-43AC-9DF2-F8C432F32B4C}" type="datetimeFigureOut">
               <a:rPr lang="en-US" dirty="0"/>
-              <a:t>6/19/2018</a:t>
+              <a:t>6/20/2018</a:t>
             </a:fld>
             <a:endParaRPr lang="en-US" dirty="0"/>
           </a:p>
@@ -3296,129 +3295,6 @@
           <p:cNvPr id="2" name="Title 1">
             <a:extLst>
               <a:ext uri="{FF2B5EF4-FFF2-40B4-BE49-F238E27FC236}">
-                <a16:creationId xmlns:a16="http://schemas.microsoft.com/office/drawing/2014/main" id="{D5D88BB4-90C2-4123-B32A-1A4102901223}"/>
-              </a:ext>
-            </a:extLst>
-          </p:cNvPr>
-          <p:cNvSpPr>
-            <a:spLocks noGrp="1"/>
-          </p:cNvSpPr>
-          <p:nvPr>
-            <p:ph type="title"/>
-          </p:nvPr>
-        </p:nvSpPr>
-        <p:spPr/>
-        <p:txBody>
-          <a:bodyPr/>
-          <a:lstStyle/>
-          <a:p>
-            <a:r>
-              <a:rPr lang="en-US" dirty="0"/>
-              <a:t>Visualizations 1</a:t>
-            </a:r>
-          </a:p>
-        </p:txBody>
-      </p:sp>
-      <p:pic>
-        <p:nvPicPr>
-          <p:cNvPr id="5" name="Picture 4">
-            <a:extLst>
-              <a:ext uri="{FF2B5EF4-FFF2-40B4-BE49-F238E27FC236}">
-                <a16:creationId xmlns:a16="http://schemas.microsoft.com/office/drawing/2014/main" id="{7AE403D7-1051-4738-8933-03F167CAE564}"/>
-              </a:ext>
-            </a:extLst>
-          </p:cNvPr>
-          <p:cNvPicPr>
-            <a:picLocks noChangeAspect="1"/>
-          </p:cNvPicPr>
-          <p:nvPr/>
-        </p:nvPicPr>
-        <p:blipFill>
-          <a:blip r:embed="rId2"/>
-          <a:stretch>
-            <a:fillRect/>
-          </a:stretch>
-        </p:blipFill>
-        <p:spPr>
-          <a:xfrm>
-            <a:off x="2231135" y="2657214"/>
-            <a:ext cx="7729729" cy="3910855"/>
-          </a:xfrm>
-          <a:prstGeom prst="rect">
-            <a:avLst/>
-          </a:prstGeom>
-        </p:spPr>
-      </p:pic>
-      <p:sp>
-        <p:nvSpPr>
-          <p:cNvPr id="6" name="TextBox 5">
-            <a:extLst>
-              <a:ext uri="{FF2B5EF4-FFF2-40B4-BE49-F238E27FC236}">
-                <a16:creationId xmlns:a16="http://schemas.microsoft.com/office/drawing/2014/main" id="{6092FAF1-6125-4CBA-99F4-35CB3F3A8828}"/>
-              </a:ext>
-            </a:extLst>
-          </p:cNvPr>
-          <p:cNvSpPr txBox="1"/>
-          <p:nvPr/>
-        </p:nvSpPr>
-        <p:spPr>
-          <a:xfrm>
-            <a:off x="2744091" y="2220647"/>
-            <a:ext cx="7729728" cy="369332"/>
-          </a:xfrm>
-          <a:prstGeom prst="rect">
-            <a:avLst/>
-          </a:prstGeom>
-          <a:noFill/>
-        </p:spPr>
-        <p:txBody>
-          <a:bodyPr wrap="square" rtlCol="0">
-            <a:spAutoFit/>
-          </a:bodyPr>
-          <a:lstStyle/>
-          <a:p>
-            <a:r>
-              <a:rPr lang="en-US" dirty="0"/>
-              <a:t>Top 7 categories people who visit coffee shops visit on the same day</a:t>
-            </a:r>
-          </a:p>
-        </p:txBody>
-      </p:sp>
-    </p:spTree>
-    <p:extLst>
-      <p:ext uri="{BB962C8B-B14F-4D97-AF65-F5344CB8AC3E}">
-        <p14:creationId xmlns:p14="http://schemas.microsoft.com/office/powerpoint/2010/main" val="2398783524"/>
-      </p:ext>
-    </p:extLst>
-  </p:cSld>
-  <p:clrMapOvr>
-    <a:masterClrMapping/>
-  </p:clrMapOvr>
-</p:sld>
-</file>
-
-<file path=ppt/slides/slide11.xml><?xml version="1.0" encoding="utf-8"?>
-<p:sld xmlns:a="http://schemas.openxmlformats.org/drawingml/2006/main" xmlns:r="http://schemas.openxmlformats.org/officeDocument/2006/relationships" xmlns:p="http://schemas.openxmlformats.org/presentationml/2006/main">
-  <p:cSld>
-    <p:spTree>
-      <p:nvGrpSpPr>
-        <p:cNvPr id="1" name=""/>
-        <p:cNvGrpSpPr/>
-        <p:nvPr/>
-      </p:nvGrpSpPr>
-      <p:grpSpPr>
-        <a:xfrm>
-          <a:off x="0" y="0"/>
-          <a:ext cx="0" cy="0"/>
-          <a:chOff x="0" y="0"/>
-          <a:chExt cx="0" cy="0"/>
-        </a:xfrm>
-      </p:grpSpPr>
-      <p:sp>
-        <p:nvSpPr>
-          <p:cNvPr id="2" name="Title 1">
-            <a:extLst>
-              <a:ext uri="{FF2B5EF4-FFF2-40B4-BE49-F238E27FC236}">
                 <a16:creationId xmlns:a16="http://schemas.microsoft.com/office/drawing/2014/main" id="{B176DC2C-55F4-45CD-9E63-D27C92B4CC91}"/>
               </a:ext>
             </a:extLst>
@@ -3521,7 +3397,7 @@
 </p:sld>
 </file>
 
-<file path=ppt/slides/slide12.xml><?xml version="1.0" encoding="utf-8"?>
+<file path=ppt/slides/slide11.xml><?xml version="1.0" encoding="utf-8"?>
 <p:sld xmlns:a="http://schemas.openxmlformats.org/drawingml/2006/main" xmlns:r="http://schemas.openxmlformats.org/officeDocument/2006/relationships" xmlns:p="http://schemas.openxmlformats.org/presentationml/2006/main">
   <p:cSld>
     <p:spTree>
@@ -3711,7 +3587,7 @@
 </p:sld>
 </file>
 
-<file path=ppt/slides/slide13.xml><?xml version="1.0" encoding="utf-8"?>
+<file path=ppt/slides/slide12.xml><?xml version="1.0" encoding="utf-8"?>
 <p:sld xmlns:a="http://schemas.openxmlformats.org/drawingml/2006/main" xmlns:r="http://schemas.openxmlformats.org/officeDocument/2006/relationships" xmlns:p="http://schemas.openxmlformats.org/presentationml/2006/main">
   <p:cSld>
     <p:spTree>
@@ -4109,7 +3985,7 @@
 </p:sld>
 </file>
 
-<file path=ppt/slides/slide14.xml><?xml version="1.0" encoding="utf-8"?>
+<file path=ppt/slides/slide13.xml><?xml version="1.0" encoding="utf-8"?>
 <p:sld xmlns:a="http://schemas.openxmlformats.org/drawingml/2006/main" xmlns:r="http://schemas.openxmlformats.org/officeDocument/2006/relationships" xmlns:p="http://schemas.openxmlformats.org/presentationml/2006/main">
   <p:cSld>
     <p:spTree>
@@ -4712,7 +4588,7 @@
 </p:sld>
 </file>
 
-<file path=ppt/slides/slide15.xml><?xml version="1.0" encoding="utf-8"?>
+<file path=ppt/slides/slide14.xml><?xml version="1.0" encoding="utf-8"?>
 <p:sld xmlns:a="http://schemas.openxmlformats.org/drawingml/2006/main" xmlns:r="http://schemas.openxmlformats.org/officeDocument/2006/relationships" xmlns:p="http://schemas.openxmlformats.org/presentationml/2006/main">
   <p:cSld>
     <p:spTree>
@@ -4839,7 +4715,7 @@
 </p:sld>
 </file>
 
-<file path=ppt/slides/slide16.xml><?xml version="1.0" encoding="utf-8"?>
+<file path=ppt/slides/slide15.xml><?xml version="1.0" encoding="utf-8"?>
 <p:sld xmlns:a="http://schemas.openxmlformats.org/drawingml/2006/main" xmlns:r="http://schemas.openxmlformats.org/officeDocument/2006/relationships" xmlns:p="http://schemas.openxmlformats.org/presentationml/2006/main">
   <p:cSld>
     <p:spTree>
@@ -4957,7 +4833,7 @@
 </p:sld>
 </file>
 
-<file path=ppt/slides/slide17.xml><?xml version="1.0" encoding="utf-8"?>
+<file path=ppt/slides/slide16.xml><?xml version="1.0" encoding="utf-8"?>
 <p:sld xmlns:a="http://schemas.openxmlformats.org/drawingml/2006/main" xmlns:r="http://schemas.openxmlformats.org/officeDocument/2006/relationships" xmlns:p="http://schemas.openxmlformats.org/presentationml/2006/main">
   <p:cSld>
     <p:spTree>
@@ -5198,7 +5074,7 @@
         <p:spPr/>
         <p:txBody>
           <a:bodyPr>
-            <a:normAutofit lnSpcReduction="10000"/>
+            <a:normAutofit/>
           </a:bodyPr>
           <a:lstStyle/>
           <a:p>
@@ -5258,27 +5134,7 @@
             </a:pPr>
             <a:r>
               <a:rPr lang="en-US" dirty="0"/>
-              <a:t>Machine Learning Performance</a:t>
-            </a:r>
-          </a:p>
-          <a:p>
-            <a:pPr marL="342900" indent="-342900">
-              <a:buFont typeface="+mj-lt"/>
-              <a:buAutoNum type="arabicPeriod"/>
-            </a:pPr>
-            <a:r>
-              <a:rPr lang="en-US" dirty="0"/>
-              <a:t>Conclusion and location recommendation</a:t>
-            </a:r>
-          </a:p>
-          <a:p>
-            <a:pPr marL="342900" indent="-342900">
-              <a:buFont typeface="+mj-lt"/>
-              <a:buAutoNum type="arabicPeriod"/>
-            </a:pPr>
-            <a:r>
-              <a:rPr lang="en-US" dirty="0"/>
-              <a:t>Appendix</a:t>
+              <a:t>Conclusion</a:t>
             </a:r>
           </a:p>
         </p:txBody>
@@ -5364,7 +5220,7 @@
           <a:p>
             <a:r>
               <a:rPr lang="en-US" dirty="0"/>
-              <a:t>Find an available storefront property which would be suitable for a newly established coffee shop.</a:t>
+              <a:t>Find an available storefront property in DC area which would be suitable for a new coffee shop.</a:t>
             </a:r>
           </a:p>
         </p:txBody>
@@ -5483,116 +5339,6 @@
 </file>
 
 <file path=ppt/slides/slide5.xml><?xml version="1.0" encoding="utf-8"?>
-<p:sld xmlns:a="http://schemas.openxmlformats.org/drawingml/2006/main" xmlns:r="http://schemas.openxmlformats.org/officeDocument/2006/relationships" xmlns:p="http://schemas.openxmlformats.org/presentationml/2006/main">
-  <p:cSld>
-    <p:spTree>
-      <p:nvGrpSpPr>
-        <p:cNvPr id="1" name=""/>
-        <p:cNvGrpSpPr/>
-        <p:nvPr/>
-      </p:nvGrpSpPr>
-      <p:grpSpPr>
-        <a:xfrm>
-          <a:off x="0" y="0"/>
-          <a:ext cx="0" cy="0"/>
-          <a:chOff x="0" y="0"/>
-          <a:chExt cx="0" cy="0"/>
-        </a:xfrm>
-      </p:grpSpPr>
-      <p:sp>
-        <p:nvSpPr>
-          <p:cNvPr id="2" name="Title 1">
-            <a:extLst>
-              <a:ext uri="{FF2B5EF4-FFF2-40B4-BE49-F238E27FC236}">
-                <a16:creationId xmlns:a16="http://schemas.microsoft.com/office/drawing/2014/main" id="{194BE74A-51DC-4F50-99F6-FE5CC72224CE}"/>
-              </a:ext>
-            </a:extLst>
-          </p:cNvPr>
-          <p:cNvSpPr>
-            <a:spLocks noGrp="1"/>
-          </p:cNvSpPr>
-          <p:nvPr>
-            <p:ph type="title"/>
-          </p:nvPr>
-        </p:nvSpPr>
-        <p:spPr/>
-        <p:txBody>
-          <a:bodyPr/>
-          <a:lstStyle/>
-          <a:p>
-            <a:r>
-              <a:rPr lang="en-US" dirty="0"/>
-              <a:t>Data dictionary</a:t>
-            </a:r>
-          </a:p>
-        </p:txBody>
-      </p:sp>
-      <p:sp>
-        <p:nvSpPr>
-          <p:cNvPr id="3" name="Content Placeholder 2">
-            <a:extLst>
-              <a:ext uri="{FF2B5EF4-FFF2-40B4-BE49-F238E27FC236}">
-                <a16:creationId xmlns:a16="http://schemas.microsoft.com/office/drawing/2014/main" id="{AE1AF8E7-B0C1-4F9D-9F23-A3EADC190166}"/>
-              </a:ext>
-            </a:extLst>
-          </p:cNvPr>
-          <p:cNvSpPr>
-            <a:spLocks noGrp="1"/>
-          </p:cNvSpPr>
-          <p:nvPr>
-            <p:ph idx="1"/>
-          </p:nvPr>
-        </p:nvSpPr>
-        <p:spPr/>
-        <p:txBody>
-          <a:bodyPr/>
-          <a:lstStyle/>
-          <a:p>
-            <a:pPr marL="342900" indent="-342900">
-              <a:buFont typeface="+mj-lt"/>
-              <a:buAutoNum type="arabicPeriod"/>
-            </a:pPr>
-            <a:r>
-              <a:rPr lang="en-US" dirty="0"/>
-              <a:t>Yelp API</a:t>
-            </a:r>
-          </a:p>
-          <a:p>
-            <a:pPr marL="342900" indent="-342900">
-              <a:buFont typeface="+mj-lt"/>
-              <a:buAutoNum type="arabicPeriod"/>
-            </a:pPr>
-            <a:r>
-              <a:rPr lang="en-US" dirty="0"/>
-              <a:t>Foursquare Dataset</a:t>
-            </a:r>
-          </a:p>
-          <a:p>
-            <a:pPr marL="342900" indent="-342900">
-              <a:buFont typeface="+mj-lt"/>
-              <a:buAutoNum type="arabicPeriod"/>
-            </a:pPr>
-            <a:r>
-              <a:rPr lang="en-US" dirty="0"/>
-              <a:t>American Community Survey (ACS) Dataset</a:t>
-            </a:r>
-          </a:p>
-        </p:txBody>
-      </p:sp>
-    </p:spTree>
-    <p:extLst>
-      <p:ext uri="{BB962C8B-B14F-4D97-AF65-F5344CB8AC3E}">
-        <p14:creationId xmlns:p14="http://schemas.microsoft.com/office/powerpoint/2010/main" val="240867442"/>
-      </p:ext>
-    </p:extLst>
-  </p:cSld>
-  <p:clrMapOvr>
-    <a:masterClrMapping/>
-  </p:clrMapOvr>
-</p:sld>
-</file>
-
-<file path=ppt/slides/slide6.xml><?xml version="1.0" encoding="utf-8"?>
 <p:sld xmlns:a="http://schemas.openxmlformats.org/drawingml/2006/main" xmlns:r="http://schemas.openxmlformats.org/officeDocument/2006/relationships" xmlns:p="http://schemas.openxmlformats.org/presentationml/2006/main">
   <p:cSld>
     <p:spTree>
@@ -6218,7 +5964,7 @@
 </p:sld>
 </file>
 
-<file path=ppt/slides/slide7.xml><?xml version="1.0" encoding="utf-8"?>
+<file path=ppt/slides/slide6.xml><?xml version="1.0" encoding="utf-8"?>
 <p:sld xmlns:a="http://schemas.openxmlformats.org/drawingml/2006/main" xmlns:r="http://schemas.openxmlformats.org/officeDocument/2006/relationships" xmlns:p="http://schemas.openxmlformats.org/presentationml/2006/main">
   <p:cSld>
     <p:spTree>
@@ -6670,7 +6416,7 @@
 </p:sld>
 </file>
 
-<file path=ppt/slides/slide8.xml><?xml version="1.0" encoding="utf-8"?>
+<file path=ppt/slides/slide7.xml><?xml version="1.0" encoding="utf-8"?>
 <p:sld xmlns:a="http://schemas.openxmlformats.org/drawingml/2006/main" xmlns:r="http://schemas.openxmlformats.org/officeDocument/2006/relationships" xmlns:p="http://schemas.openxmlformats.org/presentationml/2006/main">
   <p:cSld>
     <p:spTree>
@@ -7066,6 +6812,134 @@
 </p:sld>
 </file>
 
+<file path=ppt/slides/slide8.xml><?xml version="1.0" encoding="utf-8"?>
+<p:sld xmlns:a="http://schemas.openxmlformats.org/drawingml/2006/main" xmlns:r="http://schemas.openxmlformats.org/officeDocument/2006/relationships" xmlns:p="http://schemas.openxmlformats.org/presentationml/2006/main">
+  <p:cSld>
+    <p:spTree>
+      <p:nvGrpSpPr>
+        <p:cNvPr id="1" name=""/>
+        <p:cNvGrpSpPr/>
+        <p:nvPr/>
+      </p:nvGrpSpPr>
+      <p:grpSpPr>
+        <a:xfrm>
+          <a:off x="0" y="0"/>
+          <a:ext cx="0" cy="0"/>
+          <a:chOff x="0" y="0"/>
+          <a:chExt cx="0" cy="0"/>
+        </a:xfrm>
+      </p:grpSpPr>
+      <p:sp>
+        <p:nvSpPr>
+          <p:cNvPr id="2" name="Title 1">
+            <a:extLst>
+              <a:ext uri="{FF2B5EF4-FFF2-40B4-BE49-F238E27FC236}">
+                <a16:creationId xmlns:a16="http://schemas.microsoft.com/office/drawing/2014/main" id="{77AB2808-AE07-43F7-9A06-15BCBEEEB91B}"/>
+              </a:ext>
+            </a:extLst>
+          </p:cNvPr>
+          <p:cNvSpPr>
+            <a:spLocks noGrp="1"/>
+          </p:cNvSpPr>
+          <p:nvPr>
+            <p:ph type="title"/>
+          </p:nvPr>
+        </p:nvSpPr>
+        <p:spPr/>
+        <p:txBody>
+          <a:bodyPr/>
+          <a:lstStyle/>
+          <a:p>
+            <a:r>
+              <a:rPr lang="en-US" dirty="0"/>
+              <a:t>Exploratory Data Analysis</a:t>
+            </a:r>
+          </a:p>
+        </p:txBody>
+      </p:sp>
+      <p:sp>
+        <p:nvSpPr>
+          <p:cNvPr id="3" name="Content Placeholder 2">
+            <a:extLst>
+              <a:ext uri="{FF2B5EF4-FFF2-40B4-BE49-F238E27FC236}">
+                <a16:creationId xmlns:a16="http://schemas.microsoft.com/office/drawing/2014/main" id="{835496C8-2A60-4AD2-AAD6-02A02A77BE65}"/>
+              </a:ext>
+            </a:extLst>
+          </p:cNvPr>
+          <p:cNvSpPr>
+            <a:spLocks noGrp="1"/>
+          </p:cNvSpPr>
+          <p:nvPr>
+            <p:ph idx="1"/>
+          </p:nvPr>
+        </p:nvSpPr>
+        <p:spPr/>
+        <p:txBody>
+          <a:bodyPr/>
+          <a:lstStyle/>
+          <a:p>
+            <a:r>
+              <a:rPr lang="en-US" dirty="0"/>
+              <a:t>Foursquare dataset contained Latitude and Longitude, no other location data. Reverse geocoding 3-million records unrealistic.</a:t>
+            </a:r>
+          </a:p>
+          <a:p>
+            <a:pPr lvl="1"/>
+            <a:r>
+              <a:rPr lang="en-US" dirty="0"/>
+              <a:t>Python package “</a:t>
+            </a:r>
+            <a:r>
+              <a:rPr lang="en-US" dirty="0" err="1"/>
+              <a:t>reverse_geocoder</a:t>
+            </a:r>
+            <a:r>
+              <a:rPr lang="en-US" dirty="0"/>
+              <a:t>” returns county</a:t>
+            </a:r>
+          </a:p>
+          <a:p>
+            <a:pPr lvl="1"/>
+            <a:r>
+              <a:rPr lang="en-US" dirty="0"/>
+              <a:t>Zillow Neighborhood Shapefile returns name of neighborhood</a:t>
+            </a:r>
+          </a:p>
+          <a:p>
+            <a:pPr lvl="1"/>
+            <a:r>
+              <a:rPr lang="en-US" dirty="0"/>
+              <a:t>Convert neighborhood names to zip code</a:t>
+            </a:r>
+          </a:p>
+          <a:p>
+            <a:r>
+              <a:rPr lang="en-US" dirty="0"/>
+              <a:t>Yelp dataset missing data</a:t>
+            </a:r>
+          </a:p>
+          <a:p>
+            <a:pPr lvl="1"/>
+            <a:r>
+              <a:rPr lang="en-US" dirty="0"/>
+              <a:t>Yelp API 50 results per query, 5000 queries per day</a:t>
+            </a:r>
+          </a:p>
+        </p:txBody>
+      </p:sp>
+    </p:spTree>
+    <p:extLst>
+      <p:ext uri="{BB962C8B-B14F-4D97-AF65-F5344CB8AC3E}">
+        <p14:creationId xmlns:p14="http://schemas.microsoft.com/office/powerpoint/2010/main" val="2291051463"/>
+      </p:ext>
+    </p:extLst>
+  </p:cSld>
+  <p:clrMapOvr>
+    <a:masterClrMapping/>
+  </p:clrMapOvr>
+</p:sld>
+</file>
+
 <file path=ppt/slides/slide9.xml><?xml version="1.0" encoding="utf-8"?>
 <p:sld xmlns:a="http://schemas.openxmlformats.org/drawingml/2006/main" xmlns:r="http://schemas.openxmlformats.org/officeDocument/2006/relationships" xmlns:p="http://schemas.openxmlformats.org/presentationml/2006/main">
   <p:cSld>
@@ -7088,7 +6962,7 @@
           <p:cNvPr id="2" name="Title 1">
             <a:extLst>
               <a:ext uri="{FF2B5EF4-FFF2-40B4-BE49-F238E27FC236}">
-                <a16:creationId xmlns:a16="http://schemas.microsoft.com/office/drawing/2014/main" id="{77AB2808-AE07-43F7-9A06-15BCBEEEB91B}"/>
+                <a16:creationId xmlns:a16="http://schemas.microsoft.com/office/drawing/2014/main" id="{D5D88BB4-90C2-4123-B32A-1A4102901223}"/>
               </a:ext>
             </a:extLst>
           </p:cNvPr>
@@ -7099,92 +6973,92 @@
             <p:ph type="title"/>
           </p:nvPr>
         </p:nvSpPr>
-        <p:spPr/>
+        <p:spPr>
+          <a:xfrm>
+            <a:off x="2231136" y="964692"/>
+            <a:ext cx="7729728" cy="1188720"/>
+          </a:xfrm>
+        </p:spPr>
         <p:txBody>
           <a:bodyPr/>
           <a:lstStyle/>
           <a:p>
             <a:r>
               <a:rPr lang="en-US" dirty="0"/>
-              <a:t>Exploratory Data Analysis</a:t>
-            </a:r>
-          </a:p>
-        </p:txBody>
-      </p:sp>
-      <p:sp>
-        <p:nvSpPr>
-          <p:cNvPr id="3" name="Content Placeholder 2">
+              <a:t>Visualizations 1</a:t>
+            </a:r>
+          </a:p>
+        </p:txBody>
+      </p:sp>
+      <p:sp>
+        <p:nvSpPr>
+          <p:cNvPr id="6" name="TextBox 5">
             <a:extLst>
               <a:ext uri="{FF2B5EF4-FFF2-40B4-BE49-F238E27FC236}">
-                <a16:creationId xmlns:a16="http://schemas.microsoft.com/office/drawing/2014/main" id="{835496C8-2A60-4AD2-AAD6-02A02A77BE65}"/>
+                <a16:creationId xmlns:a16="http://schemas.microsoft.com/office/drawing/2014/main" id="{6092FAF1-6125-4CBA-99F4-35CB3F3A8828}"/>
               </a:ext>
             </a:extLst>
           </p:cNvPr>
-          <p:cNvSpPr>
-            <a:spLocks noGrp="1"/>
-          </p:cNvSpPr>
-          <p:nvPr>
-            <p:ph idx="1"/>
-          </p:nvPr>
-        </p:nvSpPr>
-        <p:spPr/>
-        <p:txBody>
-          <a:bodyPr/>
+          <p:cNvSpPr txBox="1"/>
+          <p:nvPr/>
+        </p:nvSpPr>
+        <p:spPr>
+          <a:xfrm>
+            <a:off x="2068067" y="2187029"/>
+            <a:ext cx="8055864" cy="369332"/>
+          </a:xfrm>
+          <a:prstGeom prst="rect">
+            <a:avLst/>
+          </a:prstGeom>
+          <a:noFill/>
+        </p:spPr>
+        <p:txBody>
+          <a:bodyPr wrap="square" rtlCol="0">
+            <a:spAutoFit/>
+          </a:bodyPr>
           <a:lstStyle/>
           <a:p>
             <a:r>
               <a:rPr lang="en-US" dirty="0"/>
-              <a:t>Foursquare dataset contained Latitude and Longitude, no other location data. Reverse geocoding 3-million records unrealistic.</a:t>
-            </a:r>
-          </a:p>
-          <a:p>
-            <a:pPr lvl="1"/>
-            <a:r>
-              <a:rPr lang="en-US" dirty="0"/>
-              <a:t>Python package “</a:t>
-            </a:r>
-            <a:r>
-              <a:rPr lang="en-US" dirty="0" err="1"/>
-              <a:t>reverse_geocoder</a:t>
-            </a:r>
-            <a:r>
-              <a:rPr lang="en-US" dirty="0"/>
-              <a:t>” returns county</a:t>
-            </a:r>
-          </a:p>
-          <a:p>
-            <a:pPr lvl="1"/>
-            <a:r>
-              <a:rPr lang="en-US" dirty="0"/>
-              <a:t>Zillow Neighborhood Shapefile returns name of neighborhood</a:t>
-            </a:r>
-          </a:p>
-          <a:p>
-            <a:pPr lvl="1"/>
-            <a:r>
-              <a:rPr lang="en-US" dirty="0"/>
-              <a:t>Convert neighborhood names to zip code</a:t>
-            </a:r>
-          </a:p>
-          <a:p>
-            <a:r>
-              <a:rPr lang="en-US" dirty="0"/>
-              <a:t>Yelp dataset missing data</a:t>
-            </a:r>
-          </a:p>
-          <a:p>
-            <a:pPr lvl="1"/>
-            <a:r>
-              <a:rPr lang="en-US" dirty="0"/>
-              <a:t>Yelp API 50 results per query, 5000 queries per day</a:t>
-            </a:r>
-          </a:p>
-        </p:txBody>
-      </p:sp>
+              <a:t>Correlations between count of coffee shop visits and zip code demographic features</a:t>
+            </a:r>
+          </a:p>
+        </p:txBody>
+      </p:sp>
+      <p:pic>
+        <p:nvPicPr>
+          <p:cNvPr id="3" name="Picture 2">
+            <a:extLst>
+              <a:ext uri="{FF2B5EF4-FFF2-40B4-BE49-F238E27FC236}">
+                <a16:creationId xmlns:a16="http://schemas.microsoft.com/office/drawing/2014/main" id="{A7339DA3-BC60-4409-8168-62529D5F11A3}"/>
+              </a:ext>
+            </a:extLst>
+          </p:cNvPr>
+          <p:cNvPicPr>
+            <a:picLocks noChangeAspect="1"/>
+          </p:cNvPicPr>
+          <p:nvPr/>
+        </p:nvPicPr>
+        <p:blipFill>
+          <a:blip r:embed="rId2"/>
+          <a:stretch>
+            <a:fillRect/>
+          </a:stretch>
+        </p:blipFill>
+        <p:spPr>
+          <a:xfrm>
+            <a:off x="3786597" y="2556361"/>
+            <a:ext cx="4618803" cy="4256267"/>
+          </a:xfrm>
+          <a:prstGeom prst="rect">
+            <a:avLst/>
+          </a:prstGeom>
+        </p:spPr>
+      </p:pic>
     </p:spTree>
     <p:extLst>
       <p:ext uri="{BB962C8B-B14F-4D97-AF65-F5344CB8AC3E}">
-        <p14:creationId xmlns:p14="http://schemas.microsoft.com/office/powerpoint/2010/main" val="2291051463"/>
+        <p14:creationId xmlns:p14="http://schemas.microsoft.com/office/powerpoint/2010/main" val="2398783524"/>
       </p:ext>
     </p:extLst>
   </p:cSld>
